--- a/Shashikantsharma_Steganography_AICTE.pptx
+++ b/Shashikantsharma_Steganography_AICTE.pptx
@@ -5979,10 +5979,8 @@
           <a:lstStyle/>
           <a:p>
             <a:r>
-              <a:rPr lang="en-IN" dirty="0">
-                <a:hlinkClick r:id="rId2"/>
-              </a:rPr>
-              <a:t>https://github.com/incridibleshashi1/Secure-Data-Hiding-In-Images-Using-Steganography</a:t>
+              <a:rPr lang="en-IN"/>
+              <a:t>https://github.com/sks1533/Secure-Data-Hiding-In-Images-Using-Steganography-main</a:t>
             </a:r>
             <a:endParaRPr lang="en-IN" dirty="0"/>
           </a:p>
@@ -6566,20 +6564,20 @@
 </file>
 
 <file path=customXml/item1.xml><?xml version="1.0" encoding="utf-8"?>
+<p:properties xmlns:p="http://schemas.microsoft.com/office/2006/metadata/properties" xmlns:xsi="http://www.w3.org/2001/XMLSchema-instance" xmlns:pc="http://schemas.microsoft.com/office/infopath/2007/PartnerControls">
+  <documentManagement>
+    <_activity xmlns="b30265f8-c5e2-4918-b4a1-b977299ca3e2" xsi:nil="true"/>
+  </documentManagement>
+</p:properties>
+</file>
+
+<file path=customXml/item2.xml><?xml version="1.0" encoding="utf-8"?>
 <?mso-contentType ?>
 <FormTemplates xmlns="http://schemas.microsoft.com/sharepoint/v3/contenttype/forms">
   <Display>DocumentLibraryForm</Display>
   <Edit>DocumentLibraryForm</Edit>
   <New>DocumentLibraryForm</New>
 </FormTemplates>
-</file>
-
-<file path=customXml/item2.xml><?xml version="1.0" encoding="utf-8"?>
-<p:properties xmlns:p="http://schemas.microsoft.com/office/2006/metadata/properties" xmlns:xsi="http://www.w3.org/2001/XMLSchema-instance" xmlns:pc="http://schemas.microsoft.com/office/infopath/2007/PartnerControls">
-  <documentManagement>
-    <_activity xmlns="b30265f8-c5e2-4918-b4a1-b977299ca3e2" xsi:nil="true"/>
-  </documentManagement>
-</p:properties>
 </file>
 
 <file path=customXml/item3.xml><?xml version="1.0" encoding="utf-8"?>
@@ -6816,14 +6814,6 @@
 </file>
 
 <file path=customXml/itemProps1.xml><?xml version="1.0" encoding="utf-8"?>
-<ds:datastoreItem xmlns:ds="http://schemas.openxmlformats.org/officeDocument/2006/customXml" ds:itemID="{927BD4C1-B6B1-4715-ABF9-E660A51A4EA0}">
-  <ds:schemaRefs>
-    <ds:schemaRef ds:uri="http://schemas.microsoft.com/sharepoint/v3/contenttype/forms"/>
-  </ds:schemaRefs>
-</ds:datastoreItem>
-</file>
-
-<file path=customXml/itemProps2.xml><?xml version="1.0" encoding="utf-8"?>
 <ds:datastoreItem xmlns:ds="http://schemas.openxmlformats.org/officeDocument/2006/customXml" ds:itemID="{8D289AE2-D2AE-49D1-AFAC-3A79F6794255}">
   <ds:schemaRefs>
     <ds:schemaRef ds:uri="http://schemas.openxmlformats.org/package/2006/metadata/core-properties"/>
@@ -6836,6 +6826,14 @@
     <ds:schemaRef ds:uri="http://purl.org/dc/terms/"/>
     <ds:schemaRef ds:uri="b30265f8-c5e2-4918-b4a1-b977299ca3e2"/>
     <ds:schemaRef ds:uri="http://www.w3.org/XML/1998/namespace"/>
+  </ds:schemaRefs>
+</ds:datastoreItem>
+</file>
+
+<file path=customXml/itemProps2.xml><?xml version="1.0" encoding="utf-8"?>
+<ds:datastoreItem xmlns:ds="http://schemas.openxmlformats.org/officeDocument/2006/customXml" ds:itemID="{927BD4C1-B6B1-4715-ABF9-E660A51A4EA0}">
+  <ds:schemaRefs>
+    <ds:schemaRef ds:uri="http://schemas.microsoft.com/sharepoint/v3/contenttype/forms"/>
   </ds:schemaRefs>
 </ds:datastoreItem>
 </file>
